--- a/_site/img/portfolio/picture_template.pptx
+++ b/_site/img/portfolio/picture_template.pptx
@@ -6,6 +6,13 @@
   </p:sldMasterIdLst>
   <p:sldIdLst>
     <p:sldId id="257" r:id="rId2"/>
+    <p:sldId id="259" r:id="rId3"/>
+    <p:sldId id="260" r:id="rId4"/>
+    <p:sldId id="261" r:id="rId5"/>
+    <p:sldId id="264" r:id="rId6"/>
+    <p:sldId id="258" r:id="rId7"/>
+    <p:sldId id="262" r:id="rId8"/>
+    <p:sldId id="263" r:id="rId9"/>
   </p:sldIdLst>
   <p:sldSz cx="7974013" cy="4294188"/>
   <p:notesSz cx="6858000" cy="9144000"/>
@@ -104,6 +111,11 @@
       </a:defRPr>
     </a:lvl9pPr>
   </p:defaultTextStyle>
+  <p:extLst>
+    <p:ext uri="{EFAFB233-063F-42B5-8137-9DF3F51BA10A}">
+      <p15:sldGuideLst xmlns:p15="http://schemas.microsoft.com/office/powerpoint/2012/main"/>
+    </p:ext>
+  </p:extLst>
 </p:presentation>
 </file>
 
@@ -238,7 +250,7 @@
           <a:p>
             <a:fld id="{FE276408-A0E3-48A4-A107-E0FEB1DD6C66}" type="datetimeFigureOut">
               <a:rPr lang="ko-KR" altLang="en-US" smtClean="0"/>
-              <a:t>2017-02-17</a:t>
+              <a:t>2017-02-18</a:t>
             </a:fld>
             <a:endParaRPr lang="ko-KR" altLang="en-US"/>
           </a:p>
@@ -408,7 +420,7 @@
           <a:p>
             <a:fld id="{FE276408-A0E3-48A4-A107-E0FEB1DD6C66}" type="datetimeFigureOut">
               <a:rPr lang="ko-KR" altLang="en-US" smtClean="0"/>
-              <a:t>2017-02-17</a:t>
+              <a:t>2017-02-18</a:t>
             </a:fld>
             <a:endParaRPr lang="ko-KR" altLang="en-US"/>
           </a:p>
@@ -588,7 +600,7 @@
           <a:p>
             <a:fld id="{FE276408-A0E3-48A4-A107-E0FEB1DD6C66}" type="datetimeFigureOut">
               <a:rPr lang="ko-KR" altLang="en-US" smtClean="0"/>
-              <a:t>2017-02-17</a:t>
+              <a:t>2017-02-18</a:t>
             </a:fld>
             <a:endParaRPr lang="ko-KR" altLang="en-US"/>
           </a:p>
@@ -758,7 +770,7 @@
           <a:p>
             <a:fld id="{FE276408-A0E3-48A4-A107-E0FEB1DD6C66}" type="datetimeFigureOut">
               <a:rPr lang="ko-KR" altLang="en-US" smtClean="0"/>
-              <a:t>2017-02-17</a:t>
+              <a:t>2017-02-18</a:t>
             </a:fld>
             <a:endParaRPr lang="ko-KR" altLang="en-US"/>
           </a:p>
@@ -1004,7 +1016,7 @@
           <a:p>
             <a:fld id="{FE276408-A0E3-48A4-A107-E0FEB1DD6C66}" type="datetimeFigureOut">
               <a:rPr lang="ko-KR" altLang="en-US" smtClean="0"/>
-              <a:t>2017-02-17</a:t>
+              <a:t>2017-02-18</a:t>
             </a:fld>
             <a:endParaRPr lang="ko-KR" altLang="en-US"/>
           </a:p>
@@ -1236,7 +1248,7 @@
           <a:p>
             <a:fld id="{FE276408-A0E3-48A4-A107-E0FEB1DD6C66}" type="datetimeFigureOut">
               <a:rPr lang="ko-KR" altLang="en-US" smtClean="0"/>
-              <a:t>2017-02-17</a:t>
+              <a:t>2017-02-18</a:t>
             </a:fld>
             <a:endParaRPr lang="ko-KR" altLang="en-US"/>
           </a:p>
@@ -1603,7 +1615,7 @@
           <a:p>
             <a:fld id="{FE276408-A0E3-48A4-A107-E0FEB1DD6C66}" type="datetimeFigureOut">
               <a:rPr lang="ko-KR" altLang="en-US" smtClean="0"/>
-              <a:t>2017-02-17</a:t>
+              <a:t>2017-02-18</a:t>
             </a:fld>
             <a:endParaRPr lang="ko-KR" altLang="en-US"/>
           </a:p>
@@ -1721,7 +1733,7 @@
           <a:p>
             <a:fld id="{FE276408-A0E3-48A4-A107-E0FEB1DD6C66}" type="datetimeFigureOut">
               <a:rPr lang="ko-KR" altLang="en-US" smtClean="0"/>
-              <a:t>2017-02-17</a:t>
+              <a:t>2017-02-18</a:t>
             </a:fld>
             <a:endParaRPr lang="ko-KR" altLang="en-US"/>
           </a:p>
@@ -1816,7 +1828,7 @@
           <a:p>
             <a:fld id="{FE276408-A0E3-48A4-A107-E0FEB1DD6C66}" type="datetimeFigureOut">
               <a:rPr lang="ko-KR" altLang="en-US" smtClean="0"/>
-              <a:t>2017-02-17</a:t>
+              <a:t>2017-02-18</a:t>
             </a:fld>
             <a:endParaRPr lang="ko-KR" altLang="en-US"/>
           </a:p>
@@ -2093,7 +2105,7 @@
           <a:p>
             <a:fld id="{FE276408-A0E3-48A4-A107-E0FEB1DD6C66}" type="datetimeFigureOut">
               <a:rPr lang="ko-KR" altLang="en-US" smtClean="0"/>
-              <a:t>2017-02-17</a:t>
+              <a:t>2017-02-18</a:t>
             </a:fld>
             <a:endParaRPr lang="ko-KR" altLang="en-US"/>
           </a:p>
@@ -2350,7 +2362,7 @@
           <a:p>
             <a:fld id="{FE276408-A0E3-48A4-A107-E0FEB1DD6C66}" type="datetimeFigureOut">
               <a:rPr lang="ko-KR" altLang="en-US" smtClean="0"/>
-              <a:t>2017-02-17</a:t>
+              <a:t>2017-02-18</a:t>
             </a:fld>
             <a:endParaRPr lang="ko-KR" altLang="en-US"/>
           </a:p>
@@ -2563,7 +2575,7 @@
           <a:p>
             <a:fld id="{FE276408-A0E3-48A4-A107-E0FEB1DD6C66}" type="datetimeFigureOut">
               <a:rPr lang="ko-KR" altLang="en-US" smtClean="0"/>
-              <a:t>2017-02-17</a:t>
+              <a:t>2017-02-18</a:t>
             </a:fld>
             <a:endParaRPr lang="ko-KR" altLang="en-US"/>
           </a:p>
@@ -3029,6 +3041,755 @@
 </p:sld>
 </file>
 
+<file path=ppt/slides/slide2.xml><?xml version="1.0" encoding="utf-8"?>
+<p:sld xmlns:a="http://schemas.openxmlformats.org/drawingml/2006/main" xmlns:r="http://schemas.openxmlformats.org/officeDocument/2006/relationships" xmlns:p="http://schemas.openxmlformats.org/presentationml/2006/main">
+  <p:cSld>
+    <p:spTree>
+      <p:nvGrpSpPr>
+        <p:cNvPr id="1" name=""/>
+        <p:cNvGrpSpPr/>
+        <p:nvPr/>
+      </p:nvGrpSpPr>
+      <p:grpSpPr>
+        <a:xfrm>
+          <a:off x="0" y="0"/>
+          <a:ext cx="0" cy="0"/>
+          <a:chOff x="0" y="0"/>
+          <a:chExt cx="0" cy="0"/>
+        </a:xfrm>
+      </p:grpSpPr>
+      <p:sp>
+        <p:nvSpPr>
+          <p:cNvPr id="2" name="제목 1"/>
+          <p:cNvSpPr>
+            <a:spLocks noGrp="1"/>
+          </p:cNvSpPr>
+          <p:nvPr>
+            <p:ph type="title"/>
+          </p:nvPr>
+        </p:nvSpPr>
+        <p:spPr/>
+        <p:txBody>
+          <a:bodyPr/>
+          <a:lstStyle/>
+          <a:p>
+            <a:endParaRPr lang="ko-KR" altLang="en-US"/>
+          </a:p>
+        </p:txBody>
+      </p:sp>
+      <p:pic>
+        <p:nvPicPr>
+          <p:cNvPr id="4" name="내용 개체 틀 3"/>
+          <p:cNvPicPr>
+            <a:picLocks noGrp="1" noChangeAspect="1"/>
+          </p:cNvPicPr>
+          <p:nvPr>
+            <p:ph idx="1"/>
+          </p:nvPr>
+        </p:nvPicPr>
+        <p:blipFill>
+          <a:blip r:embed="rId2">
+            <a:extLst>
+              <a:ext uri="{28A0092B-C50C-407E-A947-70E740481C1C}">
+                <a14:useLocalDpi xmlns:a14="http://schemas.microsoft.com/office/drawing/2010/main" val="0"/>
+              </a:ext>
+            </a:extLst>
+          </a:blip>
+          <a:stretch>
+            <a:fillRect/>
+          </a:stretch>
+        </p:blipFill>
+        <p:spPr>
+          <a:xfrm>
+            <a:off x="0" y="0"/>
+            <a:ext cx="7974066" cy="4294187"/>
+          </a:xfrm>
+        </p:spPr>
+      </p:pic>
+      <p:pic>
+        <p:nvPicPr>
+          <p:cNvPr id="3" name="그림 2"/>
+          <p:cNvPicPr>
+            <a:picLocks noChangeAspect="1"/>
+          </p:cNvPicPr>
+          <p:nvPr/>
+        </p:nvPicPr>
+        <p:blipFill rotWithShape="1">
+          <a:blip r:embed="rId3">
+            <a:extLst>
+              <a:ext uri="{28A0092B-C50C-407E-A947-70E740481C1C}">
+                <a14:useLocalDpi xmlns:a14="http://schemas.microsoft.com/office/drawing/2010/main" val="0"/>
+              </a:ext>
+            </a:extLst>
+          </a:blip>
+          <a:srcRect t="13843" b="637"/>
+          <a:stretch/>
+        </p:blipFill>
+        <p:spPr>
+          <a:xfrm>
+            <a:off x="452318" y="496857"/>
+            <a:ext cx="7045762" cy="3389343"/>
+          </a:xfrm>
+          <a:prstGeom prst="rect">
+            <a:avLst/>
+          </a:prstGeom>
+        </p:spPr>
+      </p:pic>
+    </p:spTree>
+    <p:extLst>
+      <p:ext uri="{BB962C8B-B14F-4D97-AF65-F5344CB8AC3E}">
+        <p14:creationId xmlns:p14="http://schemas.microsoft.com/office/powerpoint/2010/main" val="1519031629"/>
+      </p:ext>
+    </p:extLst>
+  </p:cSld>
+  <p:clrMapOvr>
+    <a:masterClrMapping/>
+  </p:clrMapOvr>
+</p:sld>
+</file>
+
+<file path=ppt/slides/slide3.xml><?xml version="1.0" encoding="utf-8"?>
+<p:sld xmlns:a="http://schemas.openxmlformats.org/drawingml/2006/main" xmlns:r="http://schemas.openxmlformats.org/officeDocument/2006/relationships" xmlns:p="http://schemas.openxmlformats.org/presentationml/2006/main">
+  <p:cSld>
+    <p:spTree>
+      <p:nvGrpSpPr>
+        <p:cNvPr id="1" name=""/>
+        <p:cNvGrpSpPr/>
+        <p:nvPr/>
+      </p:nvGrpSpPr>
+      <p:grpSpPr>
+        <a:xfrm>
+          <a:off x="0" y="0"/>
+          <a:ext cx="0" cy="0"/>
+          <a:chOff x="0" y="0"/>
+          <a:chExt cx="0" cy="0"/>
+        </a:xfrm>
+      </p:grpSpPr>
+      <p:sp>
+        <p:nvSpPr>
+          <p:cNvPr id="2" name="제목 1"/>
+          <p:cNvSpPr>
+            <a:spLocks noGrp="1"/>
+          </p:cNvSpPr>
+          <p:nvPr>
+            <p:ph type="title"/>
+          </p:nvPr>
+        </p:nvSpPr>
+        <p:spPr/>
+        <p:txBody>
+          <a:bodyPr/>
+          <a:lstStyle/>
+          <a:p>
+            <a:endParaRPr lang="ko-KR" altLang="en-US"/>
+          </a:p>
+        </p:txBody>
+      </p:sp>
+      <p:pic>
+        <p:nvPicPr>
+          <p:cNvPr id="4" name="내용 개체 틀 3"/>
+          <p:cNvPicPr>
+            <a:picLocks noGrp="1" noChangeAspect="1"/>
+          </p:cNvPicPr>
+          <p:nvPr>
+            <p:ph idx="1"/>
+          </p:nvPr>
+        </p:nvPicPr>
+        <p:blipFill>
+          <a:blip r:embed="rId2">
+            <a:extLst>
+              <a:ext uri="{28A0092B-C50C-407E-A947-70E740481C1C}">
+                <a14:useLocalDpi xmlns:a14="http://schemas.microsoft.com/office/drawing/2010/main" val="0"/>
+              </a:ext>
+            </a:extLst>
+          </a:blip>
+          <a:stretch>
+            <a:fillRect/>
+          </a:stretch>
+        </p:blipFill>
+        <p:spPr>
+          <a:xfrm>
+            <a:off x="0" y="0"/>
+            <a:ext cx="7974066" cy="4294187"/>
+          </a:xfrm>
+        </p:spPr>
+      </p:pic>
+      <p:pic>
+        <p:nvPicPr>
+          <p:cNvPr id="5" name="그림 4"/>
+          <p:cNvPicPr>
+            <a:picLocks noChangeAspect="1"/>
+          </p:cNvPicPr>
+          <p:nvPr/>
+        </p:nvPicPr>
+        <p:blipFill rotWithShape="1">
+          <a:blip r:embed="rId3" cstate="print">
+            <a:extLst>
+              <a:ext uri="{28A0092B-C50C-407E-A947-70E740481C1C}">
+                <a14:useLocalDpi xmlns:a14="http://schemas.microsoft.com/office/drawing/2010/main" val="0"/>
+              </a:ext>
+            </a:extLst>
+          </a:blip>
+          <a:srcRect l="6831" t="44031" r="804" b="22640"/>
+          <a:stretch/>
+        </p:blipFill>
+        <p:spPr>
+          <a:xfrm>
+            <a:off x="461526" y="508001"/>
+            <a:ext cx="7006074" cy="3370760"/>
+          </a:xfrm>
+          <a:prstGeom prst="rect">
+            <a:avLst/>
+          </a:prstGeom>
+        </p:spPr>
+      </p:pic>
+    </p:spTree>
+    <p:extLst>
+      <p:ext uri="{BB962C8B-B14F-4D97-AF65-F5344CB8AC3E}">
+        <p14:creationId xmlns:p14="http://schemas.microsoft.com/office/powerpoint/2010/main" val="824253201"/>
+      </p:ext>
+    </p:extLst>
+  </p:cSld>
+  <p:clrMapOvr>
+    <a:masterClrMapping/>
+  </p:clrMapOvr>
+</p:sld>
+</file>
+
+<file path=ppt/slides/slide4.xml><?xml version="1.0" encoding="utf-8"?>
+<p:sld xmlns:a="http://schemas.openxmlformats.org/drawingml/2006/main" xmlns:r="http://schemas.openxmlformats.org/officeDocument/2006/relationships" xmlns:p="http://schemas.openxmlformats.org/presentationml/2006/main">
+  <p:cSld>
+    <p:spTree>
+      <p:nvGrpSpPr>
+        <p:cNvPr id="1" name=""/>
+        <p:cNvGrpSpPr/>
+        <p:nvPr/>
+      </p:nvGrpSpPr>
+      <p:grpSpPr>
+        <a:xfrm>
+          <a:off x="0" y="0"/>
+          <a:ext cx="0" cy="0"/>
+          <a:chOff x="0" y="0"/>
+          <a:chExt cx="0" cy="0"/>
+        </a:xfrm>
+      </p:grpSpPr>
+      <p:sp>
+        <p:nvSpPr>
+          <p:cNvPr id="2" name="제목 1"/>
+          <p:cNvSpPr>
+            <a:spLocks noGrp="1"/>
+          </p:cNvSpPr>
+          <p:nvPr>
+            <p:ph type="title"/>
+          </p:nvPr>
+        </p:nvSpPr>
+        <p:spPr/>
+        <p:txBody>
+          <a:bodyPr/>
+          <a:lstStyle/>
+          <a:p>
+            <a:endParaRPr lang="ko-KR" altLang="en-US"/>
+          </a:p>
+        </p:txBody>
+      </p:sp>
+      <p:pic>
+        <p:nvPicPr>
+          <p:cNvPr id="4" name="내용 개체 틀 3"/>
+          <p:cNvPicPr>
+            <a:picLocks noGrp="1" noChangeAspect="1"/>
+          </p:cNvPicPr>
+          <p:nvPr>
+            <p:ph idx="1"/>
+          </p:nvPr>
+        </p:nvPicPr>
+        <p:blipFill>
+          <a:blip r:embed="rId2">
+            <a:extLst>
+              <a:ext uri="{28A0092B-C50C-407E-A947-70E740481C1C}">
+                <a14:useLocalDpi xmlns:a14="http://schemas.microsoft.com/office/drawing/2010/main" val="0"/>
+              </a:ext>
+            </a:extLst>
+          </a:blip>
+          <a:stretch>
+            <a:fillRect/>
+          </a:stretch>
+        </p:blipFill>
+        <p:spPr>
+          <a:xfrm>
+            <a:off x="0" y="0"/>
+            <a:ext cx="7974066" cy="4294187"/>
+          </a:xfrm>
+        </p:spPr>
+      </p:pic>
+      <p:pic>
+        <p:nvPicPr>
+          <p:cNvPr id="3" name="그림 2"/>
+          <p:cNvPicPr>
+            <a:picLocks noChangeAspect="1"/>
+          </p:cNvPicPr>
+          <p:nvPr/>
+        </p:nvPicPr>
+        <p:blipFill rotWithShape="1">
+          <a:blip r:embed="rId3">
+            <a:extLst>
+              <a:ext uri="{28A0092B-C50C-407E-A947-70E740481C1C}">
+                <a14:useLocalDpi xmlns:a14="http://schemas.microsoft.com/office/drawing/2010/main" val="0"/>
+              </a:ext>
+            </a:extLst>
+          </a:blip>
+          <a:srcRect l="1" t="27456" r="421" b="7922"/>
+          <a:stretch/>
+        </p:blipFill>
+        <p:spPr>
+          <a:xfrm>
+            <a:off x="484134" y="522040"/>
+            <a:ext cx="6941666" cy="3369240"/>
+          </a:xfrm>
+          <a:prstGeom prst="rect">
+            <a:avLst/>
+          </a:prstGeom>
+        </p:spPr>
+      </p:pic>
+    </p:spTree>
+    <p:extLst>
+      <p:ext uri="{BB962C8B-B14F-4D97-AF65-F5344CB8AC3E}">
+        <p14:creationId xmlns:p14="http://schemas.microsoft.com/office/powerpoint/2010/main" val="999829016"/>
+      </p:ext>
+    </p:extLst>
+  </p:cSld>
+  <p:clrMapOvr>
+    <a:masterClrMapping/>
+  </p:clrMapOvr>
+</p:sld>
+</file>
+
+<file path=ppt/slides/slide5.xml><?xml version="1.0" encoding="utf-8"?>
+<p:sld xmlns:a="http://schemas.openxmlformats.org/drawingml/2006/main" xmlns:r="http://schemas.openxmlformats.org/officeDocument/2006/relationships" xmlns:p="http://schemas.openxmlformats.org/presentationml/2006/main">
+  <p:cSld>
+    <p:spTree>
+      <p:nvGrpSpPr>
+        <p:cNvPr id="1" name=""/>
+        <p:cNvGrpSpPr/>
+        <p:nvPr/>
+      </p:nvGrpSpPr>
+      <p:grpSpPr>
+        <a:xfrm>
+          <a:off x="0" y="0"/>
+          <a:ext cx="0" cy="0"/>
+          <a:chOff x="0" y="0"/>
+          <a:chExt cx="0" cy="0"/>
+        </a:xfrm>
+      </p:grpSpPr>
+      <p:sp>
+        <p:nvSpPr>
+          <p:cNvPr id="2" name="제목 1"/>
+          <p:cNvSpPr>
+            <a:spLocks noGrp="1"/>
+          </p:cNvSpPr>
+          <p:nvPr>
+            <p:ph type="title"/>
+          </p:nvPr>
+        </p:nvSpPr>
+        <p:spPr/>
+        <p:txBody>
+          <a:bodyPr/>
+          <a:lstStyle/>
+          <a:p>
+            <a:endParaRPr lang="ko-KR" altLang="en-US"/>
+          </a:p>
+        </p:txBody>
+      </p:sp>
+      <p:pic>
+        <p:nvPicPr>
+          <p:cNvPr id="4" name="내용 개체 틀 3"/>
+          <p:cNvPicPr>
+            <a:picLocks noGrp="1" noChangeAspect="1"/>
+          </p:cNvPicPr>
+          <p:nvPr>
+            <p:ph idx="1"/>
+          </p:nvPr>
+        </p:nvPicPr>
+        <p:blipFill>
+          <a:blip r:embed="rId2">
+            <a:extLst>
+              <a:ext uri="{28A0092B-C50C-407E-A947-70E740481C1C}">
+                <a14:useLocalDpi xmlns:a14="http://schemas.microsoft.com/office/drawing/2010/main" val="0"/>
+              </a:ext>
+            </a:extLst>
+          </a:blip>
+          <a:stretch>
+            <a:fillRect/>
+          </a:stretch>
+        </p:blipFill>
+        <p:spPr>
+          <a:xfrm>
+            <a:off x="0" y="0"/>
+            <a:ext cx="7974066" cy="4294187"/>
+          </a:xfrm>
+        </p:spPr>
+      </p:pic>
+      <p:pic>
+        <p:nvPicPr>
+          <p:cNvPr id="5" name="그림 4"/>
+          <p:cNvPicPr>
+            <a:picLocks noChangeAspect="1"/>
+          </p:cNvPicPr>
+          <p:nvPr/>
+        </p:nvPicPr>
+        <p:blipFill rotWithShape="1">
+          <a:blip r:embed="rId3">
+            <a:extLst>
+              <a:ext uri="{28A0092B-C50C-407E-A947-70E740481C1C}">
+                <a14:useLocalDpi xmlns:a14="http://schemas.microsoft.com/office/drawing/2010/main" val="0"/>
+              </a:ext>
+            </a:extLst>
+          </a:blip>
+          <a:srcRect l="5989" t="11065" r="7370" b="11093"/>
+          <a:stretch/>
+        </p:blipFill>
+        <p:spPr>
+          <a:xfrm>
+            <a:off x="435719" y="475772"/>
+            <a:ext cx="7059407" cy="3415507"/>
+          </a:xfrm>
+          <a:prstGeom prst="rect">
+            <a:avLst/>
+          </a:prstGeom>
+        </p:spPr>
+      </p:pic>
+    </p:spTree>
+    <p:extLst>
+      <p:ext uri="{BB962C8B-B14F-4D97-AF65-F5344CB8AC3E}">
+        <p14:creationId xmlns:p14="http://schemas.microsoft.com/office/powerpoint/2010/main" val="2317409963"/>
+      </p:ext>
+    </p:extLst>
+  </p:cSld>
+  <p:clrMapOvr>
+    <a:masterClrMapping/>
+  </p:clrMapOvr>
+</p:sld>
+</file>
+
+<file path=ppt/slides/slide6.xml><?xml version="1.0" encoding="utf-8"?>
+<p:sld xmlns:a="http://schemas.openxmlformats.org/drawingml/2006/main" xmlns:r="http://schemas.openxmlformats.org/officeDocument/2006/relationships" xmlns:p="http://schemas.openxmlformats.org/presentationml/2006/main">
+  <p:cSld>
+    <p:spTree>
+      <p:nvGrpSpPr>
+        <p:cNvPr id="1" name=""/>
+        <p:cNvGrpSpPr/>
+        <p:nvPr/>
+      </p:nvGrpSpPr>
+      <p:grpSpPr>
+        <a:xfrm>
+          <a:off x="0" y="0"/>
+          <a:ext cx="0" cy="0"/>
+          <a:chOff x="0" y="0"/>
+          <a:chExt cx="0" cy="0"/>
+        </a:xfrm>
+      </p:grpSpPr>
+      <p:sp>
+        <p:nvSpPr>
+          <p:cNvPr id="2" name="제목 1"/>
+          <p:cNvSpPr>
+            <a:spLocks noGrp="1"/>
+          </p:cNvSpPr>
+          <p:nvPr>
+            <p:ph type="title"/>
+          </p:nvPr>
+        </p:nvSpPr>
+        <p:spPr/>
+        <p:txBody>
+          <a:bodyPr/>
+          <a:lstStyle/>
+          <a:p>
+            <a:endParaRPr lang="ko-KR" altLang="en-US"/>
+          </a:p>
+        </p:txBody>
+      </p:sp>
+      <p:pic>
+        <p:nvPicPr>
+          <p:cNvPr id="4" name="내용 개체 틀 3"/>
+          <p:cNvPicPr>
+            <a:picLocks noGrp="1" noChangeAspect="1"/>
+          </p:cNvPicPr>
+          <p:nvPr>
+            <p:ph idx="1"/>
+          </p:nvPr>
+        </p:nvPicPr>
+        <p:blipFill>
+          <a:blip r:embed="rId2">
+            <a:extLst>
+              <a:ext uri="{28A0092B-C50C-407E-A947-70E740481C1C}">
+                <a14:useLocalDpi xmlns:a14="http://schemas.microsoft.com/office/drawing/2010/main" val="0"/>
+              </a:ext>
+            </a:extLst>
+          </a:blip>
+          <a:stretch>
+            <a:fillRect/>
+          </a:stretch>
+        </p:blipFill>
+        <p:spPr>
+          <a:xfrm>
+            <a:off x="0" y="0"/>
+            <a:ext cx="7974066" cy="4294187"/>
+          </a:xfrm>
+        </p:spPr>
+      </p:pic>
+      <p:pic>
+        <p:nvPicPr>
+          <p:cNvPr id="3" name="그림 2"/>
+          <p:cNvPicPr>
+            <a:picLocks noChangeAspect="1"/>
+          </p:cNvPicPr>
+          <p:nvPr/>
+        </p:nvPicPr>
+        <p:blipFill rotWithShape="1">
+          <a:blip r:embed="rId3">
+            <a:extLst>
+              <a:ext uri="{28A0092B-C50C-407E-A947-70E740481C1C}">
+                <a14:useLocalDpi xmlns:a14="http://schemas.microsoft.com/office/drawing/2010/main" val="0"/>
+              </a:ext>
+            </a:extLst>
+          </a:blip>
+          <a:srcRect t="6504" b="29175"/>
+          <a:stretch/>
+        </p:blipFill>
+        <p:spPr>
+          <a:xfrm>
+            <a:off x="446034" y="495300"/>
+            <a:ext cx="7029186" cy="3390900"/>
+          </a:xfrm>
+          <a:prstGeom prst="rect">
+            <a:avLst/>
+          </a:prstGeom>
+        </p:spPr>
+      </p:pic>
+    </p:spTree>
+    <p:extLst>
+      <p:ext uri="{BB962C8B-B14F-4D97-AF65-F5344CB8AC3E}">
+        <p14:creationId xmlns:p14="http://schemas.microsoft.com/office/powerpoint/2010/main" val="4130736840"/>
+      </p:ext>
+    </p:extLst>
+  </p:cSld>
+  <p:clrMapOvr>
+    <a:masterClrMapping/>
+  </p:clrMapOvr>
+</p:sld>
+</file>
+
+<file path=ppt/slides/slide7.xml><?xml version="1.0" encoding="utf-8"?>
+<p:sld xmlns:a="http://schemas.openxmlformats.org/drawingml/2006/main" xmlns:r="http://schemas.openxmlformats.org/officeDocument/2006/relationships" xmlns:p="http://schemas.openxmlformats.org/presentationml/2006/main">
+  <p:cSld>
+    <p:spTree>
+      <p:nvGrpSpPr>
+        <p:cNvPr id="1" name=""/>
+        <p:cNvGrpSpPr/>
+        <p:nvPr/>
+      </p:nvGrpSpPr>
+      <p:grpSpPr>
+        <a:xfrm>
+          <a:off x="0" y="0"/>
+          <a:ext cx="0" cy="0"/>
+          <a:chOff x="0" y="0"/>
+          <a:chExt cx="0" cy="0"/>
+        </a:xfrm>
+      </p:grpSpPr>
+      <p:sp>
+        <p:nvSpPr>
+          <p:cNvPr id="2" name="제목 1"/>
+          <p:cNvSpPr>
+            <a:spLocks noGrp="1"/>
+          </p:cNvSpPr>
+          <p:nvPr>
+            <p:ph type="title"/>
+          </p:nvPr>
+        </p:nvSpPr>
+        <p:spPr/>
+        <p:txBody>
+          <a:bodyPr/>
+          <a:lstStyle/>
+          <a:p>
+            <a:endParaRPr lang="ko-KR" altLang="en-US"/>
+          </a:p>
+        </p:txBody>
+      </p:sp>
+      <p:pic>
+        <p:nvPicPr>
+          <p:cNvPr id="4" name="내용 개체 틀 3"/>
+          <p:cNvPicPr>
+            <a:picLocks noGrp="1" noChangeAspect="1"/>
+          </p:cNvPicPr>
+          <p:nvPr>
+            <p:ph idx="1"/>
+          </p:nvPr>
+        </p:nvPicPr>
+        <p:blipFill>
+          <a:blip r:embed="rId2">
+            <a:extLst>
+              <a:ext uri="{28A0092B-C50C-407E-A947-70E740481C1C}">
+                <a14:useLocalDpi xmlns:a14="http://schemas.microsoft.com/office/drawing/2010/main" val="0"/>
+              </a:ext>
+            </a:extLst>
+          </a:blip>
+          <a:stretch>
+            <a:fillRect/>
+          </a:stretch>
+        </p:blipFill>
+        <p:spPr>
+          <a:xfrm>
+            <a:off x="0" y="0"/>
+            <a:ext cx="7974066" cy="4294187"/>
+          </a:xfrm>
+        </p:spPr>
+      </p:pic>
+      <p:pic>
+        <p:nvPicPr>
+          <p:cNvPr id="6" name="그림 5"/>
+          <p:cNvPicPr>
+            <a:picLocks noChangeAspect="1"/>
+          </p:cNvPicPr>
+          <p:nvPr/>
+        </p:nvPicPr>
+        <p:blipFill rotWithShape="1">
+          <a:blip r:embed="rId3">
+            <a:extLst>
+              <a:ext uri="{28A0092B-C50C-407E-A947-70E740481C1C}">
+                <a14:useLocalDpi xmlns:a14="http://schemas.microsoft.com/office/drawing/2010/main" val="0"/>
+              </a:ext>
+            </a:extLst>
+          </a:blip>
+          <a:srcRect b="14216"/>
+          <a:stretch/>
+        </p:blipFill>
+        <p:spPr>
+          <a:xfrm>
+            <a:off x="453230" y="484843"/>
+            <a:ext cx="7055010" cy="3406438"/>
+          </a:xfrm>
+          <a:prstGeom prst="rect">
+            <a:avLst/>
+          </a:prstGeom>
+        </p:spPr>
+      </p:pic>
+    </p:spTree>
+    <p:extLst>
+      <p:ext uri="{BB962C8B-B14F-4D97-AF65-F5344CB8AC3E}">
+        <p14:creationId xmlns:p14="http://schemas.microsoft.com/office/powerpoint/2010/main" val="3805497555"/>
+      </p:ext>
+    </p:extLst>
+  </p:cSld>
+  <p:clrMapOvr>
+    <a:masterClrMapping/>
+  </p:clrMapOvr>
+</p:sld>
+</file>
+
+<file path=ppt/slides/slide8.xml><?xml version="1.0" encoding="utf-8"?>
+<p:sld xmlns:a="http://schemas.openxmlformats.org/drawingml/2006/main" xmlns:r="http://schemas.openxmlformats.org/officeDocument/2006/relationships" xmlns:p="http://schemas.openxmlformats.org/presentationml/2006/main">
+  <p:cSld>
+    <p:spTree>
+      <p:nvGrpSpPr>
+        <p:cNvPr id="1" name=""/>
+        <p:cNvGrpSpPr/>
+        <p:nvPr/>
+      </p:nvGrpSpPr>
+      <p:grpSpPr>
+        <a:xfrm>
+          <a:off x="0" y="0"/>
+          <a:ext cx="0" cy="0"/>
+          <a:chOff x="0" y="0"/>
+          <a:chExt cx="0" cy="0"/>
+        </a:xfrm>
+      </p:grpSpPr>
+      <p:sp>
+        <p:nvSpPr>
+          <p:cNvPr id="2" name="제목 1"/>
+          <p:cNvSpPr>
+            <a:spLocks noGrp="1"/>
+          </p:cNvSpPr>
+          <p:nvPr>
+            <p:ph type="title"/>
+          </p:nvPr>
+        </p:nvSpPr>
+        <p:spPr/>
+        <p:txBody>
+          <a:bodyPr/>
+          <a:lstStyle/>
+          <a:p>
+            <a:endParaRPr lang="ko-KR" altLang="en-US"/>
+          </a:p>
+        </p:txBody>
+      </p:sp>
+      <p:pic>
+        <p:nvPicPr>
+          <p:cNvPr id="4" name="내용 개체 틀 3"/>
+          <p:cNvPicPr>
+            <a:picLocks noGrp="1" noChangeAspect="1"/>
+          </p:cNvPicPr>
+          <p:nvPr>
+            <p:ph idx="1"/>
+          </p:nvPr>
+        </p:nvPicPr>
+        <p:blipFill>
+          <a:blip r:embed="rId2">
+            <a:extLst>
+              <a:ext uri="{28A0092B-C50C-407E-A947-70E740481C1C}">
+                <a14:useLocalDpi xmlns:a14="http://schemas.microsoft.com/office/drawing/2010/main" val="0"/>
+              </a:ext>
+            </a:extLst>
+          </a:blip>
+          <a:stretch>
+            <a:fillRect/>
+          </a:stretch>
+        </p:blipFill>
+        <p:spPr>
+          <a:xfrm>
+            <a:off x="0" y="0"/>
+            <a:ext cx="7974066" cy="4294187"/>
+          </a:xfrm>
+        </p:spPr>
+      </p:pic>
+      <p:pic>
+        <p:nvPicPr>
+          <p:cNvPr id="3" name="그림 2"/>
+          <p:cNvPicPr>
+            <a:picLocks noChangeAspect="1"/>
+          </p:cNvPicPr>
+          <p:nvPr/>
+        </p:nvPicPr>
+        <p:blipFill rotWithShape="1">
+          <a:blip r:embed="rId3">
+            <a:extLst>
+              <a:ext uri="{28A0092B-C50C-407E-A947-70E740481C1C}">
+                <a14:useLocalDpi xmlns:a14="http://schemas.microsoft.com/office/drawing/2010/main" val="0"/>
+              </a:ext>
+            </a:extLst>
+          </a:blip>
+          <a:srcRect b="14422"/>
+          <a:stretch/>
+        </p:blipFill>
+        <p:spPr>
+          <a:xfrm>
+            <a:off x="460639" y="504984"/>
+            <a:ext cx="7009120" cy="3376136"/>
+          </a:xfrm>
+          <a:prstGeom prst="rect">
+            <a:avLst/>
+          </a:prstGeom>
+        </p:spPr>
+      </p:pic>
+    </p:spTree>
+    <p:extLst>
+      <p:ext uri="{BB962C8B-B14F-4D97-AF65-F5344CB8AC3E}">
+        <p14:creationId xmlns:p14="http://schemas.microsoft.com/office/powerpoint/2010/main" val="3284133844"/>
+      </p:ext>
+    </p:extLst>
+  </p:cSld>
+  <p:clrMapOvr>
+    <a:masterClrMapping/>
+  </p:clrMapOvr>
+</p:sld>
+</file>
+
 <file path=ppt/theme/theme1.xml><?xml version="1.0" encoding="utf-8"?>
 <a:theme xmlns:a="http://schemas.openxmlformats.org/drawingml/2006/main" name="Office 테마">
   <a:themeElements>
